--- a/FinalPresentation.pptx
+++ b/FinalPresentation.pptx
@@ -7,7 +7,7 @@
     <p:sldMasterId id="2147483702" r:id="rId3"/>
   </p:sldMasterIdLst>
   <p:notesMasterIdLst>
-    <p:notesMasterId r:id="rId10"/>
+    <p:notesMasterId r:id="rId12"/>
   </p:notesMasterIdLst>
   <p:sldIdLst>
     <p:sldId id="256" r:id="rId4"/>
@@ -15,7 +15,9 @@
     <p:sldId id="258" r:id="rId6"/>
     <p:sldId id="259" r:id="rId7"/>
     <p:sldId id="260" r:id="rId8"/>
-    <p:sldId id="261" r:id="rId9"/>
+    <p:sldId id="262" r:id="rId9"/>
+    <p:sldId id="263" r:id="rId10"/>
+    <p:sldId id="261" r:id="rId11"/>
   </p:sldIdLst>
   <p:sldSz cx="12192000" cy="6858000"/>
   <p:notesSz cx="6858000" cy="9144000"/>
@@ -17457,18 +17459,42 @@
           <a:p>
             <a:pPr algn="ctr"/>
             <a:r>
-              <a:rPr lang="en-US" dirty="0"/>
+              <a:rPr lang="en-US" dirty="0">
+                <a:solidFill>
+                  <a:schemeClr val="accent1">
+                    <a:lumMod val="50000"/>
+                  </a:schemeClr>
+                </a:solidFill>
+              </a:rPr>
               <a:t>Camden, </a:t>
             </a:r>
             <a:r>
-              <a:rPr lang="en-US" dirty="0" err="1"/>
+              <a:rPr lang="en-US" dirty="0" err="1">
+                <a:solidFill>
+                  <a:schemeClr val="accent1">
+                    <a:lumMod val="50000"/>
+                  </a:schemeClr>
+                </a:solidFill>
+              </a:rPr>
               <a:t>Haringey</a:t>
             </a:r>
             <a:r>
-              <a:rPr lang="en-US" dirty="0"/>
+              <a:rPr lang="en-US" dirty="0">
+                <a:solidFill>
+                  <a:schemeClr val="accent1">
+                    <a:lumMod val="50000"/>
+                  </a:schemeClr>
+                </a:solidFill>
+              </a:rPr>
               <a:t> and Islington Business Intelligence</a:t>
             </a:r>
-            <a:endParaRPr lang="en-US" dirty="0"/>
+            <a:endParaRPr lang="en-US" dirty="0">
+              <a:solidFill>
+                <a:schemeClr val="accent1">
+                  <a:lumMod val="50000"/>
+                </a:schemeClr>
+              </a:solidFill>
+            </a:endParaRPr>
           </a:p>
         </p:txBody>
       </p:sp>
@@ -17525,7 +17551,13 @@
           <a:lstStyle/>
           <a:p>
             <a:r>
-              <a:rPr lang="en-US" dirty="0"/>
+              <a:rPr lang="en-US" dirty="0">
+                <a:solidFill>
+                  <a:schemeClr val="accent1">
+                    <a:lumMod val="50000"/>
+                  </a:schemeClr>
+                </a:solidFill>
+              </a:rPr>
               <a:t>Client</a:t>
             </a:r>
           </a:p>
@@ -17533,13 +17565,11 @@
       </p:sp>
       <p:pic>
         <p:nvPicPr>
-          <p:cNvPr id="4" name="Content Placeholder 3"/>
+          <p:cNvPr id="5" name="Picture 4"/>
           <p:cNvPicPr>
-            <a:picLocks noGrp="1" noChangeAspect="1"/>
+            <a:picLocks noChangeAspect="1"/>
           </p:cNvPicPr>
-          <p:nvPr>
-            <p:ph idx="1"/>
-          </p:nvPr>
+          <p:nvPr/>
         </p:nvPicPr>
         <p:blipFill>
           <a:blip r:embed="rId2"/>
@@ -17549,31 +17579,7 @@
         </p:blipFill>
         <p:spPr>
           <a:xfrm>
-            <a:off x="369847" y="1743145"/>
-            <a:ext cx="2871882" cy="2871882"/>
-          </a:xfrm>
-          <a:prstGeom prst="rect">
-            <a:avLst/>
-          </a:prstGeom>
-        </p:spPr>
-      </p:pic>
-      <p:pic>
-        <p:nvPicPr>
-          <p:cNvPr id="5" name="Picture 4"/>
-          <p:cNvPicPr>
-            <a:picLocks noChangeAspect="1"/>
-          </p:cNvPicPr>
-          <p:nvPr/>
-        </p:nvPicPr>
-        <p:blipFill>
-          <a:blip r:embed="rId3"/>
-          <a:stretch>
-            <a:fillRect/>
-          </a:stretch>
-        </p:blipFill>
-        <p:spPr>
-          <a:xfrm>
-            <a:off x="3582947" y="2269971"/>
+            <a:off x="3841364" y="2452213"/>
             <a:ext cx="2785441" cy="2162813"/>
           </a:xfrm>
           <a:prstGeom prst="rect">
@@ -17590,6 +17596,30 @@
           <p:nvPr/>
         </p:nvPicPr>
         <p:blipFill>
+          <a:blip r:embed="rId3"/>
+          <a:stretch>
+            <a:fillRect/>
+          </a:stretch>
+        </p:blipFill>
+        <p:spPr>
+          <a:xfrm>
+            <a:off x="6368388" y="2293423"/>
+            <a:ext cx="3213100" cy="2527300"/>
+          </a:xfrm>
+          <a:prstGeom prst="rect">
+            <a:avLst/>
+          </a:prstGeom>
+        </p:spPr>
+      </p:pic>
+      <p:pic>
+        <p:nvPicPr>
+          <p:cNvPr id="8" name="Picture 7"/>
+          <p:cNvPicPr>
+            <a:picLocks noChangeAspect="1"/>
+          </p:cNvPicPr>
+          <p:nvPr/>
+        </p:nvPicPr>
+        <p:blipFill>
           <a:blip r:embed="rId4"/>
           <a:stretch>
             <a:fillRect/>
@@ -17597,8 +17627,8 @@
         </p:blipFill>
         <p:spPr>
           <a:xfrm>
-            <a:off x="6368388" y="2087727"/>
-            <a:ext cx="3213100" cy="2527300"/>
+            <a:off x="348864" y="2313301"/>
+            <a:ext cx="3185014" cy="2119482"/>
           </a:xfrm>
           <a:prstGeom prst="rect">
             <a:avLst/>
@@ -17670,10 +17700,22 @@
           <a:lstStyle/>
           <a:p>
             <a:r>
-              <a:rPr lang="en-US" dirty="0" smtClean="0"/>
+              <a:rPr lang="en-US" dirty="0" smtClean="0">
+                <a:solidFill>
+                  <a:schemeClr val="accent1">
+                    <a:lumMod val="50000"/>
+                  </a:schemeClr>
+                </a:solidFill>
+              </a:rPr>
               <a:t>Team</a:t>
             </a:r>
-            <a:endParaRPr lang="en-US" dirty="0"/>
+            <a:endParaRPr lang="en-US" dirty="0">
+              <a:solidFill>
+                <a:schemeClr val="accent1">
+                  <a:lumMod val="50000"/>
+                </a:schemeClr>
+              </a:solidFill>
+            </a:endParaRPr>
           </a:p>
         </p:txBody>
       </p:sp>
@@ -17977,10 +18019,22 @@
           <a:lstStyle/>
           <a:p>
             <a:r>
-              <a:rPr lang="en-US" dirty="0" smtClean="0"/>
+              <a:rPr lang="en-US" dirty="0" smtClean="0">
+                <a:solidFill>
+                  <a:schemeClr val="accent1">
+                    <a:lumMod val="50000"/>
+                  </a:schemeClr>
+                </a:solidFill>
+              </a:rPr>
               <a:t>Solution</a:t>
             </a:r>
-            <a:endParaRPr lang="en-US" dirty="0"/>
+            <a:endParaRPr lang="en-US" dirty="0">
+              <a:solidFill>
+                <a:schemeClr val="accent1">
+                  <a:lumMod val="50000"/>
+                </a:schemeClr>
+              </a:solidFill>
+            </a:endParaRPr>
           </a:p>
         </p:txBody>
       </p:sp>
@@ -18068,6 +18122,215 @@
           <a:lstStyle/>
           <a:p>
             <a:r>
+              <a:rPr lang="en-US" dirty="0">
+                <a:solidFill>
+                  <a:schemeClr val="accent1">
+                    <a:lumMod val="50000"/>
+                  </a:schemeClr>
+                </a:solidFill>
+              </a:rPr>
+              <a:t>R</a:t>
+            </a:r>
+            <a:r>
+              <a:rPr lang="en-US" dirty="0" smtClean="0">
+                <a:solidFill>
+                  <a:schemeClr val="accent1">
+                    <a:lumMod val="50000"/>
+                  </a:schemeClr>
+                </a:solidFill>
+              </a:rPr>
+              <a:t>esults</a:t>
+            </a:r>
+            <a:endParaRPr lang="en-US" dirty="0">
+              <a:solidFill>
+                <a:schemeClr val="accent1">
+                  <a:lumMod val="50000"/>
+                </a:schemeClr>
+              </a:solidFill>
+            </a:endParaRPr>
+          </a:p>
+        </p:txBody>
+      </p:sp>
+      <p:sp>
+        <p:nvSpPr>
+          <p:cNvPr id="3" name="Content Placeholder 2"/>
+          <p:cNvSpPr>
+            <a:spLocks noGrp="1"/>
+          </p:cNvSpPr>
+          <p:nvPr>
+            <p:ph idx="1"/>
+          </p:nvPr>
+        </p:nvSpPr>
+        <p:spPr/>
+        <p:txBody>
+          <a:bodyPr/>
+          <a:lstStyle/>
+          <a:p>
+            <a:endParaRPr lang="en-US" dirty="0"/>
+          </a:p>
+        </p:txBody>
+      </p:sp>
+    </p:spTree>
+    <p:extLst>
+      <p:ext uri="{BB962C8B-B14F-4D97-AF65-F5344CB8AC3E}">
+        <p14:creationId xmlns:p14="http://schemas.microsoft.com/office/powerpoint/2010/main" val="240640868"/>
+      </p:ext>
+    </p:extLst>
+  </p:cSld>
+  <p:clrMapOvr>
+    <a:masterClrMapping/>
+  </p:clrMapOvr>
+  <mc:AlternateContent xmlns:mc="http://schemas.openxmlformats.org/markup-compatibility/2006">
+    <mc:Choice xmlns:p14="http://schemas.microsoft.com/office/powerpoint/2010/main" Requires="p14">
+      <p:transition spd="slow" p14:dur="2000">
+        <p14:prism isContent="1"/>
+      </p:transition>
+    </mc:Choice>
+    <mc:Fallback>
+      <p:transition spd="slow">
+        <p:fade/>
+      </p:transition>
+    </mc:Fallback>
+  </mc:AlternateContent>
+  <p:timing>
+    <p:tnLst>
+      <p:par>
+        <p:cTn id="1" dur="indefinite" restart="never" nodeType="tmRoot"/>
+      </p:par>
+    </p:tnLst>
+  </p:timing>
+</p:sld>
+</file>
+
+<file path=ppt/slides/slide7.xml><?xml version="1.0" encoding="utf-8"?>
+<p:sld xmlns:a="http://schemas.openxmlformats.org/drawingml/2006/main" xmlns:r="http://schemas.openxmlformats.org/officeDocument/2006/relationships" xmlns:p="http://schemas.openxmlformats.org/presentationml/2006/main">
+  <p:cSld>
+    <p:spTree>
+      <p:nvGrpSpPr>
+        <p:cNvPr id="1" name=""/>
+        <p:cNvGrpSpPr/>
+        <p:nvPr/>
+      </p:nvGrpSpPr>
+      <p:grpSpPr>
+        <a:xfrm>
+          <a:off x="0" y="0"/>
+          <a:ext cx="0" cy="0"/>
+          <a:chOff x="0" y="0"/>
+          <a:chExt cx="0" cy="0"/>
+        </a:xfrm>
+      </p:grpSpPr>
+      <p:sp>
+        <p:nvSpPr>
+          <p:cNvPr id="2" name="Title 1"/>
+          <p:cNvSpPr>
+            <a:spLocks noGrp="1"/>
+          </p:cNvSpPr>
+          <p:nvPr>
+            <p:ph type="title"/>
+          </p:nvPr>
+        </p:nvSpPr>
+        <p:spPr/>
+        <p:txBody>
+          <a:bodyPr/>
+          <a:lstStyle/>
+          <a:p>
+            <a:r>
+              <a:rPr lang="en-US" dirty="0">
+                <a:solidFill>
+                  <a:schemeClr val="accent1">
+                    <a:lumMod val="50000"/>
+                  </a:schemeClr>
+                </a:solidFill>
+              </a:rPr>
+              <a:t>challenges</a:t>
+            </a:r>
+          </a:p>
+        </p:txBody>
+      </p:sp>
+      <p:sp>
+        <p:nvSpPr>
+          <p:cNvPr id="3" name="Content Placeholder 2"/>
+          <p:cNvSpPr>
+            <a:spLocks noGrp="1"/>
+          </p:cNvSpPr>
+          <p:nvPr>
+            <p:ph idx="1"/>
+          </p:nvPr>
+        </p:nvSpPr>
+        <p:spPr/>
+        <p:txBody>
+          <a:bodyPr/>
+          <a:lstStyle/>
+          <a:p>
+            <a:endParaRPr lang="en-US" dirty="0"/>
+          </a:p>
+        </p:txBody>
+      </p:sp>
+    </p:spTree>
+    <p:extLst>
+      <p:ext uri="{BB962C8B-B14F-4D97-AF65-F5344CB8AC3E}">
+        <p14:creationId xmlns:p14="http://schemas.microsoft.com/office/powerpoint/2010/main" val="739361175"/>
+      </p:ext>
+    </p:extLst>
+  </p:cSld>
+  <p:clrMapOvr>
+    <a:masterClrMapping/>
+  </p:clrMapOvr>
+  <mc:AlternateContent xmlns:mc="http://schemas.openxmlformats.org/markup-compatibility/2006">
+    <mc:Choice xmlns:p14="http://schemas.microsoft.com/office/powerpoint/2010/main" Requires="p14">
+      <p:transition spd="slow" p14:dur="2000">
+        <p14:prism isContent="1"/>
+      </p:transition>
+    </mc:Choice>
+    <mc:Fallback>
+      <p:transition spd="slow">
+        <p:fade/>
+      </p:transition>
+    </mc:Fallback>
+  </mc:AlternateContent>
+  <p:timing>
+    <p:tnLst>
+      <p:par>
+        <p:cTn id="1" dur="indefinite" restart="never" nodeType="tmRoot"/>
+      </p:par>
+    </p:tnLst>
+  </p:timing>
+</p:sld>
+</file>
+
+<file path=ppt/slides/slide8.xml><?xml version="1.0" encoding="utf-8"?>
+<p:sld xmlns:a="http://schemas.openxmlformats.org/drawingml/2006/main" xmlns:r="http://schemas.openxmlformats.org/officeDocument/2006/relationships" xmlns:p="http://schemas.openxmlformats.org/presentationml/2006/main">
+  <p:cSld>
+    <p:spTree>
+      <p:nvGrpSpPr>
+        <p:cNvPr id="1" name=""/>
+        <p:cNvGrpSpPr/>
+        <p:nvPr/>
+      </p:nvGrpSpPr>
+      <p:grpSpPr>
+        <a:xfrm>
+          <a:off x="0" y="0"/>
+          <a:ext cx="0" cy="0"/>
+          <a:chOff x="0" y="0"/>
+          <a:chExt cx="0" cy="0"/>
+        </a:xfrm>
+      </p:grpSpPr>
+      <p:sp>
+        <p:nvSpPr>
+          <p:cNvPr id="2" name="Title 1"/>
+          <p:cNvSpPr>
+            <a:spLocks noGrp="1"/>
+          </p:cNvSpPr>
+          <p:nvPr>
+            <p:ph type="title"/>
+          </p:nvPr>
+        </p:nvSpPr>
+        <p:spPr/>
+        <p:txBody>
+          <a:bodyPr/>
+          <a:lstStyle/>
+          <a:p>
+            <a:r>
               <a:rPr lang="en-US" dirty="0" smtClean="0"/>
               <a:t>Conclusion</a:t>
             </a:r>
@@ -18129,7 +18392,7 @@
 <file path=ppt/theme/theme1.xml><?xml version="1.0" encoding="utf-8"?>
 <a:theme xmlns:a="http://schemas.openxmlformats.org/drawingml/2006/main" name="Facet">
   <a:themeElements>
-    <a:clrScheme name="Facet">
+    <a:clrScheme name="Office">
       <a:dk1>
         <a:sysClr val="windowText" lastClr="000000"/>
       </a:dk1>
@@ -18137,34 +18400,34 @@
         <a:sysClr val="window" lastClr="FFFFFF"/>
       </a:lt1>
       <a:dk2>
-        <a:srgbClr val="2C3C43"/>
+        <a:srgbClr val="44546A"/>
       </a:dk2>
       <a:lt2>
-        <a:srgbClr val="EBEBEB"/>
+        <a:srgbClr val="E7E6E6"/>
       </a:lt2>
       <a:accent1>
-        <a:srgbClr val="5FCBEF"/>
+        <a:srgbClr val="4472C4"/>
       </a:accent1>
       <a:accent2>
-        <a:srgbClr val="2E83C3"/>
+        <a:srgbClr val="ED7D31"/>
       </a:accent2>
       <a:accent3>
-        <a:srgbClr val="42D0A2"/>
+        <a:srgbClr val="A5A5A5"/>
       </a:accent3>
       <a:accent4>
-        <a:srgbClr val="2E946B"/>
+        <a:srgbClr val="FFC000"/>
       </a:accent4>
       <a:accent5>
-        <a:srgbClr val="42B051"/>
+        <a:srgbClr val="5B9BD5"/>
       </a:accent5>
       <a:accent6>
-        <a:srgbClr val="96D141"/>
+        <a:srgbClr val="70AD47"/>
       </a:accent6>
       <a:hlink>
-        <a:srgbClr val="3FCDE7"/>
+        <a:srgbClr val="0563C1"/>
       </a:hlink>
       <a:folHlink>
-        <a:srgbClr val="A9D3E1"/>
+        <a:srgbClr val="954F72"/>
       </a:folHlink>
     </a:clrScheme>
     <a:fontScheme name="Facet">
@@ -18386,7 +18649,7 @@
 <file path=ppt/theme/theme2.xml><?xml version="1.0" encoding="utf-8"?>
 <a:theme xmlns:a="http://schemas.openxmlformats.org/drawingml/2006/main" name="1_Facet">
   <a:themeElements>
-    <a:clrScheme name="Facet">
+    <a:clrScheme name="Red Orange">
       <a:dk1>
         <a:sysClr val="windowText" lastClr="000000"/>
       </a:dk1>
@@ -18394,34 +18657,34 @@
         <a:sysClr val="window" lastClr="FFFFFF"/>
       </a:lt1>
       <a:dk2>
-        <a:srgbClr val="2C3C43"/>
+        <a:srgbClr val="505046"/>
       </a:dk2>
       <a:lt2>
-        <a:srgbClr val="EBEBEB"/>
+        <a:srgbClr val="EEECE1"/>
       </a:lt2>
       <a:accent1>
-        <a:srgbClr val="F496CB"/>
+        <a:srgbClr val="E84C22"/>
       </a:accent1>
       <a:accent2>
-        <a:srgbClr val="BC356F"/>
+        <a:srgbClr val="FFBD47"/>
       </a:accent2>
       <a:accent3>
-        <a:srgbClr val="E65331"/>
+        <a:srgbClr val="B64926"/>
       </a:accent3>
       <a:accent4>
-        <a:srgbClr val="F27E19"/>
+        <a:srgbClr val="FF8427"/>
       </a:accent4>
       <a:accent5>
-        <a:srgbClr val="F2AC19"/>
+        <a:srgbClr val="CC9900"/>
       </a:accent5>
       <a:accent6>
-        <a:srgbClr val="BC80E0"/>
+        <a:srgbClr val="B22600"/>
       </a:accent6>
       <a:hlink>
-        <a:srgbClr val="EF5285"/>
+        <a:srgbClr val="CC9900"/>
       </a:hlink>
       <a:folHlink>
-        <a:srgbClr val="F77F90"/>
+        <a:srgbClr val="666699"/>
       </a:folHlink>
     </a:clrScheme>
     <a:fontScheme name="Facet">
